--- a/Documents/ProjectPresentation.pptx
+++ b/Documents/ProjectPresentation.pptx
@@ -12,6 +12,9 @@
     <p:sldId id="259" r:id="rId6"/>
     <p:sldId id="260" r:id="rId7"/>
     <p:sldId id="261" r:id="rId8"/>
+    <p:sldId id="264" r:id="rId9"/>
+    <p:sldId id="265" r:id="rId10"/>
+    <p:sldId id="266" r:id="rId11"/>
   </p:sldIdLst>
   <p:sldSz cx="12192000" cy="6858000"/>
   <p:notesSz cx="6858000" cy="9144000"/>
@@ -110,6 +113,11 @@
       </a:defRPr>
     </a:lvl9pPr>
   </p:defaultTextStyle>
+  <p:extLst>
+    <p:ext uri="{EFAFB233-063F-42B5-8137-9DF3F51BA10A}">
+      <p15:sldGuideLst xmlns:p15="http://schemas.microsoft.com/office/powerpoint/2012/main"/>
+    </p:ext>
+  </p:extLst>
 </p:presentation>
 </file>
 
@@ -3077,6 +3085,167 @@
     <p:extLst>
       <p:ext uri="{BB962C8B-B14F-4D97-AF65-F5344CB8AC3E}">
         <p14:creationId xmlns:p14="http://schemas.microsoft.com/office/powerpoint/2010/main" val="20757041"/>
+      </p:ext>
+    </p:extLst>
+  </p:cSld>
+  <p:clrMapOvr>
+    <a:masterClrMapping/>
+  </p:clrMapOvr>
+  <p:timing>
+    <p:tnLst>
+      <p:par>
+        <p:cTn id="1" dur="indefinite" restart="never" nodeType="tmRoot"/>
+      </p:par>
+    </p:tnLst>
+  </p:timing>
+</p:sld>
+</file>
+
+<file path=ppt/slides/slide10.xml><?xml version="1.0" encoding="utf-8"?>
+<p:sld xmlns:a="http://schemas.openxmlformats.org/drawingml/2006/main" xmlns:r="http://schemas.openxmlformats.org/officeDocument/2006/relationships" xmlns:p="http://schemas.openxmlformats.org/presentationml/2006/main">
+  <p:cSld>
+    <p:spTree>
+      <p:nvGrpSpPr>
+        <p:cNvPr id="1" name=""/>
+        <p:cNvGrpSpPr/>
+        <p:nvPr/>
+      </p:nvGrpSpPr>
+      <p:grpSpPr>
+        <a:xfrm>
+          <a:off x="0" y="0"/>
+          <a:ext cx="0" cy="0"/>
+          <a:chOff x="0" y="0"/>
+          <a:chExt cx="0" cy="0"/>
+        </a:xfrm>
+      </p:grpSpPr>
+      <p:sp>
+        <p:nvSpPr>
+          <p:cNvPr id="20" name="Title 1"/>
+          <p:cNvSpPr>
+            <a:spLocks noGrp="1"/>
+          </p:cNvSpPr>
+          <p:nvPr>
+            <p:ph type="title"/>
+          </p:nvPr>
+        </p:nvSpPr>
+        <p:spPr>
+          <a:xfrm>
+            <a:off x="870098" y="0"/>
+            <a:ext cx="10515600" cy="1325563"/>
+          </a:xfrm>
+        </p:spPr>
+        <p:txBody>
+          <a:bodyPr/>
+          <a:lstStyle/>
+          <a:p>
+            <a:r>
+              <a:rPr lang="en-US" dirty="0" smtClean="0"/>
+              <a:t>			</a:t>
+            </a:r>
+            <a:r>
+              <a:rPr lang="en-US" dirty="0" smtClean="0"/>
+              <a:t>Android Client Features</a:t>
+            </a:r>
+            <a:endParaRPr lang="en-US" dirty="0"/>
+          </a:p>
+        </p:txBody>
+      </p:sp>
+      <p:cxnSp>
+        <p:nvCxnSpPr>
+          <p:cNvPr id="74" name="Straight Arrow Connector 73"/>
+          <p:cNvCxnSpPr>
+            <a:stCxn id="2" idx="3"/>
+          </p:cNvCxnSpPr>
+          <p:nvPr/>
+        </p:nvCxnSpPr>
+        <p:spPr>
+          <a:xfrm>
+            <a:off x="5199432" y="4400623"/>
+            <a:ext cx="1743629" cy="0"/>
+          </a:xfrm>
+          <a:prstGeom prst="straightConnector1">
+            <a:avLst/>
+          </a:prstGeom>
+          <a:ln>
+            <a:solidFill>
+              <a:schemeClr val="accent2"/>
+            </a:solidFill>
+            <a:tailEnd type="triangle"/>
+          </a:ln>
+        </p:spPr>
+        <p:style>
+          <a:lnRef idx="1">
+            <a:schemeClr val="accent1"/>
+          </a:lnRef>
+          <a:fillRef idx="0">
+            <a:schemeClr val="accent1"/>
+          </a:fillRef>
+          <a:effectRef idx="0">
+            <a:schemeClr val="accent1"/>
+          </a:effectRef>
+          <a:fontRef idx="minor">
+            <a:schemeClr val="tx1"/>
+          </a:fontRef>
+        </p:style>
+      </p:cxnSp>
+      <p:sp>
+        <p:nvSpPr>
+          <p:cNvPr id="77" name="TextBox 76"/>
+          <p:cNvSpPr txBox="1"/>
+          <p:nvPr/>
+        </p:nvSpPr>
+        <p:spPr>
+          <a:xfrm>
+            <a:off x="6943061" y="3938957"/>
+            <a:ext cx="3987209" cy="923330"/>
+          </a:xfrm>
+          <a:prstGeom prst="rect">
+            <a:avLst/>
+          </a:prstGeom>
+          <a:noFill/>
+        </p:spPr>
+        <p:txBody>
+          <a:bodyPr wrap="square" rtlCol="0">
+            <a:spAutoFit/>
+          </a:bodyPr>
+          <a:lstStyle/>
+          <a:p>
+            <a:r>
+              <a:rPr lang="en-US" dirty="0" smtClean="0"/>
+              <a:t>Analytics tab: On selecting the from and to dates and few bins, it shows fill trend analysis.</a:t>
+            </a:r>
+            <a:endParaRPr lang="en-US" dirty="0"/>
+          </a:p>
+        </p:txBody>
+      </p:sp>
+      <p:pic>
+        <p:nvPicPr>
+          <p:cNvPr id="2" name="Picture 1"/>
+          <p:cNvPicPr>
+            <a:picLocks noChangeAspect="1"/>
+          </p:cNvPicPr>
+          <p:nvPr/>
+        </p:nvPicPr>
+        <p:blipFill>
+          <a:blip r:embed="rId2"/>
+          <a:stretch>
+            <a:fillRect/>
+          </a:stretch>
+        </p:blipFill>
+        <p:spPr>
+          <a:xfrm>
+            <a:off x="1151307" y="2300360"/>
+            <a:ext cx="4048125" cy="4200525"/>
+          </a:xfrm>
+          <a:prstGeom prst="rect">
+            <a:avLst/>
+          </a:prstGeom>
+        </p:spPr>
+      </p:pic>
+    </p:spTree>
+    <p:extLst>
+      <p:ext uri="{BB962C8B-B14F-4D97-AF65-F5344CB8AC3E}">
+        <p14:creationId xmlns:p14="http://schemas.microsoft.com/office/powerpoint/2010/main" val="498781822"/>
       </p:ext>
     </p:extLst>
   </p:cSld>
@@ -4187,15 +4356,7 @@
             </a:r>
             <a:r>
               <a:rPr lang="en-US" sz="2400" dirty="0" smtClean="0"/>
-              <a:t> document corresponding to </a:t>
-            </a:r>
-            <a:r>
-              <a:rPr lang="en-US" sz="2400" dirty="0" smtClean="0"/>
-              <a:t>each </a:t>
-            </a:r>
-            <a:r>
-              <a:rPr lang="en-US" sz="2400" dirty="0" smtClean="0"/>
-              <a:t>bin with latest fill level values for the present day. If any update happens to the same bin on a subsequent day, another document is created for the same.</a:t>
+              <a:t> document corresponding to each bin with latest fill level values for the present day. If any update happens to the same bin on a subsequent day, another document is created for the same.</a:t>
             </a:r>
           </a:p>
           <a:p>
@@ -5048,6 +5209,456 @@
     <p:extLst>
       <p:ext uri="{BB962C8B-B14F-4D97-AF65-F5344CB8AC3E}">
         <p14:creationId xmlns:p14="http://schemas.microsoft.com/office/powerpoint/2010/main" val="2363064981"/>
+      </p:ext>
+    </p:extLst>
+  </p:cSld>
+  <p:clrMapOvr>
+    <a:masterClrMapping/>
+  </p:clrMapOvr>
+  <p:timing>
+    <p:tnLst>
+      <p:par>
+        <p:cTn id="1" dur="indefinite" restart="never" nodeType="tmRoot"/>
+      </p:par>
+    </p:tnLst>
+  </p:timing>
+</p:sld>
+</file>
+
+<file path=ppt/slides/slide8.xml><?xml version="1.0" encoding="utf-8"?>
+<p:sld xmlns:a="http://schemas.openxmlformats.org/drawingml/2006/main" xmlns:r="http://schemas.openxmlformats.org/officeDocument/2006/relationships" xmlns:p="http://schemas.openxmlformats.org/presentationml/2006/main">
+  <p:cSld>
+    <p:spTree>
+      <p:nvGrpSpPr>
+        <p:cNvPr id="1" name=""/>
+        <p:cNvGrpSpPr/>
+        <p:nvPr/>
+      </p:nvGrpSpPr>
+      <p:grpSpPr>
+        <a:xfrm>
+          <a:off x="0" y="0"/>
+          <a:ext cx="0" cy="0"/>
+          <a:chOff x="0" y="0"/>
+          <a:chExt cx="0" cy="0"/>
+        </a:xfrm>
+      </p:grpSpPr>
+      <p:sp>
+        <p:nvSpPr>
+          <p:cNvPr id="20" name="Title 1"/>
+          <p:cNvSpPr>
+            <a:spLocks noGrp="1"/>
+          </p:cNvSpPr>
+          <p:nvPr>
+            <p:ph type="title"/>
+          </p:nvPr>
+        </p:nvSpPr>
+        <p:spPr>
+          <a:xfrm>
+            <a:off x="838200" y="365125"/>
+            <a:ext cx="10515600" cy="729917"/>
+          </a:xfrm>
+        </p:spPr>
+        <p:txBody>
+          <a:bodyPr/>
+          <a:lstStyle/>
+          <a:p>
+            <a:r>
+              <a:rPr lang="en-US" dirty="0" smtClean="0"/>
+              <a:t>			</a:t>
+            </a:r>
+            <a:r>
+              <a:rPr lang="en-US" dirty="0" smtClean="0"/>
+              <a:t>Android Client Features</a:t>
+            </a:r>
+            <a:endParaRPr lang="en-US" dirty="0"/>
+          </a:p>
+        </p:txBody>
+      </p:sp>
+      <p:pic>
+        <p:nvPicPr>
+          <p:cNvPr id="54" name="Picture 53"/>
+          <p:cNvPicPr>
+            <a:picLocks noChangeAspect="1"/>
+          </p:cNvPicPr>
+          <p:nvPr/>
+        </p:nvPicPr>
+        <p:blipFill>
+          <a:blip r:embed="rId2"/>
+          <a:stretch>
+            <a:fillRect/>
+          </a:stretch>
+        </p:blipFill>
+        <p:spPr>
+          <a:xfrm>
+            <a:off x="1077986" y="1690688"/>
+            <a:ext cx="4124325" cy="4686300"/>
+          </a:xfrm>
+          <a:prstGeom prst="rect">
+            <a:avLst/>
+          </a:prstGeom>
+        </p:spPr>
+      </p:pic>
+      <p:cxnSp>
+        <p:nvCxnSpPr>
+          <p:cNvPr id="66" name="Straight Arrow Connector 65"/>
+          <p:cNvCxnSpPr/>
+          <p:nvPr/>
+        </p:nvCxnSpPr>
+        <p:spPr>
+          <a:xfrm flipV="1">
+            <a:off x="3912781" y="1392865"/>
+            <a:ext cx="3168503" cy="531628"/>
+          </a:xfrm>
+          <a:prstGeom prst="straightConnector1">
+            <a:avLst/>
+          </a:prstGeom>
+          <a:ln>
+            <a:solidFill>
+              <a:schemeClr val="accent2"/>
+            </a:solidFill>
+            <a:tailEnd type="triangle"/>
+          </a:ln>
+        </p:spPr>
+        <p:style>
+          <a:lnRef idx="1">
+            <a:schemeClr val="accent1"/>
+          </a:lnRef>
+          <a:fillRef idx="0">
+            <a:schemeClr val="accent1"/>
+          </a:fillRef>
+          <a:effectRef idx="0">
+            <a:schemeClr val="accent1"/>
+          </a:effectRef>
+          <a:fontRef idx="minor">
+            <a:schemeClr val="tx1"/>
+          </a:fontRef>
+        </p:style>
+      </p:cxnSp>
+      <p:cxnSp>
+        <p:nvCxnSpPr>
+          <p:cNvPr id="68" name="Straight Arrow Connector 67"/>
+          <p:cNvCxnSpPr/>
+          <p:nvPr/>
+        </p:nvCxnSpPr>
+        <p:spPr>
+          <a:xfrm>
+            <a:off x="4444409" y="2222316"/>
+            <a:ext cx="2636875" cy="496112"/>
+          </a:xfrm>
+          <a:prstGeom prst="straightConnector1">
+            <a:avLst/>
+          </a:prstGeom>
+          <a:ln>
+            <a:solidFill>
+              <a:schemeClr val="accent2"/>
+            </a:solidFill>
+            <a:tailEnd type="triangle"/>
+          </a:ln>
+        </p:spPr>
+        <p:style>
+          <a:lnRef idx="1">
+            <a:schemeClr val="accent1"/>
+          </a:lnRef>
+          <a:fillRef idx="0">
+            <a:schemeClr val="accent1"/>
+          </a:fillRef>
+          <a:effectRef idx="0">
+            <a:schemeClr val="accent1"/>
+          </a:effectRef>
+          <a:fontRef idx="minor">
+            <a:schemeClr val="tx1"/>
+          </a:fontRef>
+        </p:style>
+      </p:cxnSp>
+      <p:sp>
+        <p:nvSpPr>
+          <p:cNvPr id="69" name="TextBox 68"/>
+          <p:cNvSpPr txBox="1"/>
+          <p:nvPr/>
+        </p:nvSpPr>
+        <p:spPr>
+          <a:xfrm>
+            <a:off x="7208874" y="1244009"/>
+            <a:ext cx="4144926" cy="646331"/>
+          </a:xfrm>
+          <a:prstGeom prst="rect">
+            <a:avLst/>
+          </a:prstGeom>
+          <a:noFill/>
+        </p:spPr>
+        <p:txBody>
+          <a:bodyPr wrap="square" rtlCol="0">
+            <a:spAutoFit/>
+          </a:bodyPr>
+          <a:lstStyle/>
+          <a:p>
+            <a:r>
+              <a:rPr lang="en-US" dirty="0" smtClean="0"/>
+              <a:t>Search locations. Updates Fill levels and maps tabs on selection of a location</a:t>
+            </a:r>
+            <a:endParaRPr lang="en-US" dirty="0"/>
+          </a:p>
+        </p:txBody>
+      </p:sp>
+      <p:sp>
+        <p:nvSpPr>
+          <p:cNvPr id="70" name="TextBox 69"/>
+          <p:cNvSpPr txBox="1"/>
+          <p:nvPr/>
+        </p:nvSpPr>
+        <p:spPr>
+          <a:xfrm>
+            <a:off x="7081284" y="2256763"/>
+            <a:ext cx="3689498" cy="923330"/>
+          </a:xfrm>
+          <a:prstGeom prst="rect">
+            <a:avLst/>
+          </a:prstGeom>
+          <a:noFill/>
+        </p:spPr>
+        <p:txBody>
+          <a:bodyPr wrap="square" rtlCol="0">
+            <a:spAutoFit/>
+          </a:bodyPr>
+          <a:lstStyle/>
+          <a:p>
+            <a:r>
+              <a:rPr lang="en-US" dirty="0" smtClean="0"/>
+              <a:t>Export Functionality. Gives a facility to write the list of bins to PDF and share. (via mail, Bluetooth etc.)</a:t>
+            </a:r>
+            <a:endParaRPr lang="en-US" dirty="0"/>
+          </a:p>
+        </p:txBody>
+      </p:sp>
+      <p:cxnSp>
+        <p:nvCxnSpPr>
+          <p:cNvPr id="74" name="Straight Arrow Connector 73"/>
+          <p:cNvCxnSpPr/>
+          <p:nvPr/>
+        </p:nvCxnSpPr>
+        <p:spPr>
+          <a:xfrm>
+            <a:off x="5202311" y="4051596"/>
+            <a:ext cx="1804545" cy="351574"/>
+          </a:xfrm>
+          <a:prstGeom prst="straightConnector1">
+            <a:avLst/>
+          </a:prstGeom>
+          <a:ln>
+            <a:solidFill>
+              <a:schemeClr val="accent2"/>
+            </a:solidFill>
+            <a:tailEnd type="triangle"/>
+          </a:ln>
+        </p:spPr>
+        <p:style>
+          <a:lnRef idx="1">
+            <a:schemeClr val="accent1"/>
+          </a:lnRef>
+          <a:fillRef idx="0">
+            <a:schemeClr val="accent1"/>
+          </a:fillRef>
+          <a:effectRef idx="0">
+            <a:schemeClr val="accent1"/>
+          </a:effectRef>
+          <a:fontRef idx="minor">
+            <a:schemeClr val="tx1"/>
+          </a:fontRef>
+        </p:style>
+      </p:cxnSp>
+      <p:sp>
+        <p:nvSpPr>
+          <p:cNvPr id="77" name="TextBox 76"/>
+          <p:cNvSpPr txBox="1"/>
+          <p:nvPr/>
+        </p:nvSpPr>
+        <p:spPr>
+          <a:xfrm>
+            <a:off x="7006856" y="4097966"/>
+            <a:ext cx="3987209" cy="1200329"/>
+          </a:xfrm>
+          <a:prstGeom prst="rect">
+            <a:avLst/>
+          </a:prstGeom>
+          <a:noFill/>
+        </p:spPr>
+        <p:txBody>
+          <a:bodyPr wrap="square" rtlCol="0">
+            <a:spAutoFit/>
+          </a:bodyPr>
+          <a:lstStyle/>
+          <a:p>
+            <a:r>
+              <a:rPr lang="en-US" dirty="0" smtClean="0"/>
+              <a:t>Fill Levels tab: Shows bins of current location or location selected by search. It shows locality of the bin, bin identifier and fill level.</a:t>
+            </a:r>
+            <a:endParaRPr lang="en-US" dirty="0"/>
+          </a:p>
+        </p:txBody>
+      </p:sp>
+    </p:spTree>
+    <p:extLst>
+      <p:ext uri="{BB962C8B-B14F-4D97-AF65-F5344CB8AC3E}">
+        <p14:creationId xmlns:p14="http://schemas.microsoft.com/office/powerpoint/2010/main" val="3118553567"/>
+      </p:ext>
+    </p:extLst>
+  </p:cSld>
+  <p:clrMapOvr>
+    <a:masterClrMapping/>
+  </p:clrMapOvr>
+  <p:timing>
+    <p:tnLst>
+      <p:par>
+        <p:cTn id="1" dur="indefinite" restart="never" nodeType="tmRoot"/>
+      </p:par>
+    </p:tnLst>
+  </p:timing>
+</p:sld>
+</file>
+
+<file path=ppt/slides/slide9.xml><?xml version="1.0" encoding="utf-8"?>
+<p:sld xmlns:a="http://schemas.openxmlformats.org/drawingml/2006/main" xmlns:r="http://schemas.openxmlformats.org/officeDocument/2006/relationships" xmlns:p="http://schemas.openxmlformats.org/presentationml/2006/main">
+  <p:cSld>
+    <p:spTree>
+      <p:nvGrpSpPr>
+        <p:cNvPr id="1" name=""/>
+        <p:cNvGrpSpPr/>
+        <p:nvPr/>
+      </p:nvGrpSpPr>
+      <p:grpSpPr>
+        <a:xfrm>
+          <a:off x="0" y="0"/>
+          <a:ext cx="0" cy="0"/>
+          <a:chOff x="0" y="0"/>
+          <a:chExt cx="0" cy="0"/>
+        </a:xfrm>
+      </p:grpSpPr>
+      <p:sp>
+        <p:nvSpPr>
+          <p:cNvPr id="20" name="Title 1"/>
+          <p:cNvSpPr>
+            <a:spLocks noGrp="1"/>
+          </p:cNvSpPr>
+          <p:nvPr>
+            <p:ph type="title"/>
+          </p:nvPr>
+        </p:nvSpPr>
+        <p:spPr>
+          <a:xfrm>
+            <a:off x="870098" y="0"/>
+            <a:ext cx="10515600" cy="1325563"/>
+          </a:xfrm>
+        </p:spPr>
+        <p:txBody>
+          <a:bodyPr/>
+          <a:lstStyle/>
+          <a:p>
+            <a:r>
+              <a:rPr lang="en-US" dirty="0" smtClean="0"/>
+              <a:t>			</a:t>
+            </a:r>
+            <a:r>
+              <a:rPr lang="en-US" dirty="0" smtClean="0"/>
+              <a:t>Android Client Features</a:t>
+            </a:r>
+            <a:endParaRPr lang="en-US" dirty="0"/>
+          </a:p>
+        </p:txBody>
+      </p:sp>
+      <p:cxnSp>
+        <p:nvCxnSpPr>
+          <p:cNvPr id="74" name="Straight Arrow Connector 73"/>
+          <p:cNvCxnSpPr/>
+          <p:nvPr/>
+        </p:nvCxnSpPr>
+        <p:spPr>
+          <a:xfrm>
+            <a:off x="5138516" y="4049049"/>
+            <a:ext cx="1804545" cy="351574"/>
+          </a:xfrm>
+          <a:prstGeom prst="straightConnector1">
+            <a:avLst/>
+          </a:prstGeom>
+          <a:ln>
+            <a:solidFill>
+              <a:schemeClr val="accent2"/>
+            </a:solidFill>
+            <a:tailEnd type="triangle"/>
+          </a:ln>
+        </p:spPr>
+        <p:style>
+          <a:lnRef idx="1">
+            <a:schemeClr val="accent1"/>
+          </a:lnRef>
+          <a:fillRef idx="0">
+            <a:schemeClr val="accent1"/>
+          </a:fillRef>
+          <a:effectRef idx="0">
+            <a:schemeClr val="accent1"/>
+          </a:effectRef>
+          <a:fontRef idx="minor">
+            <a:schemeClr val="tx1"/>
+          </a:fontRef>
+        </p:style>
+      </p:cxnSp>
+      <p:sp>
+        <p:nvSpPr>
+          <p:cNvPr id="77" name="TextBox 76"/>
+          <p:cNvSpPr txBox="1"/>
+          <p:nvPr/>
+        </p:nvSpPr>
+        <p:spPr>
+          <a:xfrm>
+            <a:off x="6943061" y="3661959"/>
+            <a:ext cx="3987209" cy="1754326"/>
+          </a:xfrm>
+          <a:prstGeom prst="rect">
+            <a:avLst/>
+          </a:prstGeom>
+          <a:noFill/>
+        </p:spPr>
+        <p:txBody>
+          <a:bodyPr wrap="square" rtlCol="0">
+            <a:spAutoFit/>
+          </a:bodyPr>
+          <a:lstStyle/>
+          <a:p>
+            <a:r>
+              <a:rPr lang="en-US" dirty="0" smtClean="0"/>
+              <a:t>Maps tab: Shows bins of current location or location selected by search. It shows path of reaching filled bins using travelling sales man algorithm. On clicking on marker, it shows more details.</a:t>
+            </a:r>
+            <a:endParaRPr lang="en-US" dirty="0"/>
+          </a:p>
+        </p:txBody>
+      </p:sp>
+      <p:pic>
+        <p:nvPicPr>
+          <p:cNvPr id="3" name="Picture 2"/>
+          <p:cNvPicPr>
+            <a:picLocks noChangeAspect="1"/>
+          </p:cNvPicPr>
+          <p:nvPr/>
+        </p:nvPicPr>
+        <p:blipFill>
+          <a:blip r:embed="rId2"/>
+          <a:stretch>
+            <a:fillRect/>
+          </a:stretch>
+        </p:blipFill>
+        <p:spPr>
+          <a:xfrm>
+            <a:off x="1042766" y="1211891"/>
+            <a:ext cx="4095750" cy="5486621"/>
+          </a:xfrm>
+          <a:prstGeom prst="rect">
+            <a:avLst/>
+          </a:prstGeom>
+        </p:spPr>
+      </p:pic>
+    </p:spTree>
+    <p:extLst>
+      <p:ext uri="{BB962C8B-B14F-4D97-AF65-F5344CB8AC3E}">
+        <p14:creationId xmlns:p14="http://schemas.microsoft.com/office/powerpoint/2010/main" val="3502937707"/>
       </p:ext>
     </p:extLst>
   </p:cSld>
